--- a/Documentatie/Topichat Prezentare.pptx
+++ b/Documentatie/Topichat Prezentare.pptx
@@ -7,7 +7,12 @@
   <p:sldIdLst>
     <p:sldId id="256" r:id="rId2"/>
     <p:sldId id="257" r:id="rId3"/>
-    <p:sldId id="258" r:id="rId4"/>
+    <p:sldId id="259" r:id="rId4"/>
+    <p:sldId id="258" r:id="rId5"/>
+    <p:sldId id="260" r:id="rId6"/>
+    <p:sldId id="263" r:id="rId7"/>
+    <p:sldId id="264" r:id="rId8"/>
+    <p:sldId id="261" r:id="rId9"/>
   </p:sldIdLst>
   <p:sldSz cx="12192000" cy="6858000"/>
   <p:notesSz cx="6858000" cy="9144000"/>
@@ -106,6 +111,11 @@
       </a:defRPr>
     </a:lvl9pPr>
   </p:defaultTextStyle>
+  <p:extLst>
+    <p:ext uri="{EFAFB233-063F-42B5-8137-9DF3F51BA10A}">
+      <p15:sldGuideLst xmlns:p15="http://schemas.microsoft.com/office/powerpoint/2012/main"/>
+    </p:ext>
+  </p:extLst>
 </p:presentation>
 </file>
 
@@ -334,7 +344,7 @@
             <a:fld id="{5586B75A-687E-405C-8A0B-8D00578BA2C3}" type="datetimeFigureOut">
               <a:rPr lang="en-US" dirty="0"/>
               <a:pPr/>
-              <a:t>6/22/2017</a:t>
+              <a:t>6/23/2017</a:t>
             </a:fld>
             <a:endParaRPr lang="en-US" dirty="0"/>
           </a:p>
@@ -501,7 +511,7 @@
             <a:fld id="{5586B75A-687E-405C-8A0B-8D00578BA2C3}" type="datetimeFigureOut">
               <a:rPr lang="en-US" dirty="0"/>
               <a:pPr/>
-              <a:t>6/22/2017</a:t>
+              <a:t>6/23/2017</a:t>
             </a:fld>
             <a:endParaRPr lang="en-US" dirty="0"/>
           </a:p>
@@ -678,7 +688,7 @@
             <a:fld id="{5586B75A-687E-405C-8A0B-8D00578BA2C3}" type="datetimeFigureOut">
               <a:rPr lang="en-US" dirty="0"/>
               <a:pPr/>
-              <a:t>6/22/2017</a:t>
+              <a:t>6/23/2017</a:t>
             </a:fld>
             <a:endParaRPr lang="en-US" dirty="0"/>
           </a:p>
@@ -845,7 +855,7 @@
             <a:fld id="{5586B75A-687E-405C-8A0B-8D00578BA2C3}" type="datetimeFigureOut">
               <a:rPr lang="en-US" dirty="0"/>
               <a:pPr/>
-              <a:t>6/22/2017</a:t>
+              <a:t>6/23/2017</a:t>
             </a:fld>
             <a:endParaRPr lang="en-US" dirty="0"/>
           </a:p>
@@ -1100,7 +1110,7 @@
             <a:fld id="{5586B75A-687E-405C-8A0B-8D00578BA2C3}" type="datetimeFigureOut">
               <a:rPr lang="en-US" dirty="0"/>
               <a:pPr/>
-              <a:t>6/22/2017</a:t>
+              <a:t>6/23/2017</a:t>
             </a:fld>
             <a:endParaRPr lang="en-US" dirty="0"/>
           </a:p>
@@ -1385,7 +1395,7 @@
             <a:fld id="{5586B75A-687E-405C-8A0B-8D00578BA2C3}" type="datetimeFigureOut">
               <a:rPr lang="en-US" dirty="0"/>
               <a:pPr/>
-              <a:t>6/22/2017</a:t>
+              <a:t>6/23/2017</a:t>
             </a:fld>
             <a:endParaRPr lang="en-US" dirty="0"/>
           </a:p>
@@ -1824,7 +1834,7 @@
             <a:fld id="{5586B75A-687E-405C-8A0B-8D00578BA2C3}" type="datetimeFigureOut">
               <a:rPr lang="en-US" dirty="0"/>
               <a:pPr/>
-              <a:t>6/22/2017</a:t>
+              <a:t>6/23/2017</a:t>
             </a:fld>
             <a:endParaRPr lang="en-US" dirty="0"/>
           </a:p>
@@ -1939,7 +1949,7 @@
             <a:fld id="{5586B75A-687E-405C-8A0B-8D00578BA2C3}" type="datetimeFigureOut">
               <a:rPr lang="en-US" dirty="0"/>
               <a:pPr/>
-              <a:t>6/22/2017</a:t>
+              <a:t>6/23/2017</a:t>
             </a:fld>
             <a:endParaRPr lang="en-US" dirty="0"/>
           </a:p>
@@ -2031,7 +2041,7 @@
             <a:fld id="{5586B75A-687E-405C-8A0B-8D00578BA2C3}" type="datetimeFigureOut">
               <a:rPr lang="en-US" dirty="0"/>
               <a:pPr/>
-              <a:t>6/22/2017</a:t>
+              <a:t>6/23/2017</a:t>
             </a:fld>
             <a:endParaRPr lang="en-US" dirty="0"/>
           </a:p>
@@ -2316,7 +2326,7 @@
             <a:fld id="{5586B75A-687E-405C-8A0B-8D00578BA2C3}" type="datetimeFigureOut">
               <a:rPr lang="en-US" dirty="0"/>
               <a:pPr/>
-              <a:t>6/22/2017</a:t>
+              <a:t>6/23/2017</a:t>
             </a:fld>
             <a:endParaRPr lang="en-US" dirty="0"/>
           </a:p>
@@ -2586,7 +2596,7 @@
             <a:fld id="{5586B75A-687E-405C-8A0B-8D00578BA2C3}" type="datetimeFigureOut">
               <a:rPr lang="en-US" dirty="0"/>
               <a:pPr/>
-              <a:t>6/22/2017</a:t>
+              <a:t>6/23/2017</a:t>
             </a:fld>
             <a:endParaRPr lang="en-US" dirty="0"/>
           </a:p>
@@ -2880,7 +2890,7 @@
             <a:fld id="{5586B75A-687E-405C-8A0B-8D00578BA2C3}" type="datetimeFigureOut">
               <a:rPr lang="en-US" dirty="0"/>
               <a:pPr/>
-              <a:t>6/22/2017</a:t>
+              <a:t>6/23/2017</a:t>
             </a:fld>
             <a:endParaRPr lang="en-US" dirty="0"/>
           </a:p>
@@ -3545,8 +3555,12 @@
           <a:lstStyle/>
           <a:p>
             <a:r>
+              <a:rPr lang="de-DE" dirty="0" err="1" smtClean="0"/>
+              <a:t>Specifica</a:t>
+            </a:r>
+            <a:r>
               <a:rPr lang="ro-RO" dirty="0" smtClean="0"/>
-              <a:t>Xamarin</a:t>
+              <a:t>ții</a:t>
             </a:r>
             <a:endParaRPr lang="en-US" dirty="0"/>
           </a:p>
@@ -3569,16 +3583,630 @@
           <a:p>
             <a:r>
               <a:rPr lang="ro-RO" dirty="0" smtClean="0"/>
-              <a:t>Visual studio </a:t>
-            </a:r>
-            <a:endParaRPr lang="en-US" dirty="0"/>
-          </a:p>
-        </p:txBody>
-      </p:sp>
+              <a:t>Aplicația va folosi numărul de telefon ca și indentificator pentru clienți</a:t>
+            </a:r>
+          </a:p>
+          <a:p>
+            <a:r>
+              <a:rPr lang="ro-RO" dirty="0" smtClean="0"/>
+              <a:t>Initial nu va folosi un Backend</a:t>
+            </a:r>
+          </a:p>
+          <a:p>
+            <a:r>
+              <a:rPr lang="ro-RO" dirty="0" smtClean="0"/>
+              <a:t>Conversațiile vor fi salvate local pe dispozitivul clientului</a:t>
+            </a:r>
+          </a:p>
+          <a:p>
+            <a:r>
+              <a:rPr lang="ro-RO" dirty="0" smtClean="0"/>
+              <a:t>Comunicare server client se va face criptat SSL/TLS</a:t>
+            </a:r>
+            <a:endParaRPr lang="en-US" dirty="0"/>
+          </a:p>
+        </p:txBody>
+      </p:sp>
+    </p:spTree>
+    <p:extLst>
+      <p:ext uri="{BB962C8B-B14F-4D97-AF65-F5344CB8AC3E}">
+        <p14:creationId xmlns:p14="http://schemas.microsoft.com/office/powerpoint/2010/main" val="3973050019"/>
+      </p:ext>
+    </p:extLst>
+  </p:cSld>
+  <p:clrMapOvr>
+    <a:masterClrMapping/>
+  </p:clrMapOvr>
+</p:sld>
+</file>
+
+<file path=ppt/slides/slide4.xml><?xml version="1.0" encoding="utf-8"?>
+<p:sld xmlns:a="http://schemas.openxmlformats.org/drawingml/2006/main" xmlns:r="http://schemas.openxmlformats.org/officeDocument/2006/relationships" xmlns:p="http://schemas.openxmlformats.org/presentationml/2006/main">
+  <p:cSld>
+    <p:spTree>
+      <p:nvGrpSpPr>
+        <p:cNvPr id="1" name=""/>
+        <p:cNvGrpSpPr/>
+        <p:nvPr/>
+      </p:nvGrpSpPr>
+      <p:grpSpPr>
+        <a:xfrm>
+          <a:off x="0" y="0"/>
+          <a:ext cx="0" cy="0"/>
+          <a:chOff x="0" y="0"/>
+          <a:chExt cx="0" cy="0"/>
+        </a:xfrm>
+      </p:grpSpPr>
+      <p:sp>
+        <p:nvSpPr>
+          <p:cNvPr id="3" name="Content Placeholder 2"/>
+          <p:cNvSpPr>
+            <a:spLocks noGrp="1"/>
+          </p:cNvSpPr>
+          <p:nvPr>
+            <p:ph idx="4294967295"/>
+          </p:nvPr>
+        </p:nvSpPr>
+        <p:spPr>
+          <a:xfrm>
+            <a:off x="4347410" y="763398"/>
+            <a:ext cx="7315200" cy="5121275"/>
+          </a:xfrm>
+        </p:spPr>
+        <p:txBody>
+          <a:bodyPr/>
+          <a:lstStyle/>
+          <a:p>
+            <a:r>
+              <a:rPr lang="ro-RO" dirty="0" smtClean="0"/>
+              <a:t>Framework dezvoltat de inginerii care au creat Mono</a:t>
+            </a:r>
+          </a:p>
+          <a:p>
+            <a:r>
+              <a:rPr lang="ro-RO" dirty="0" smtClean="0"/>
+              <a:t>In 2016 a fost achiziționat de Microsoft și acum vine la pachet cu Visual Studio și Visual Studio for Mac</a:t>
+            </a:r>
+          </a:p>
+          <a:p>
+            <a:r>
+              <a:rPr lang="ro-RO" dirty="0" smtClean="0"/>
+              <a:t>Permite dezvoltatorilor să implementeze aplicații crossplatform folosind aceași cod C#</a:t>
+            </a:r>
+          </a:p>
+          <a:p>
+            <a:r>
+              <a:rPr lang="ro-RO" dirty="0" smtClean="0"/>
+              <a:t>Folosing librăria Xamarin.Forms programatorii au </a:t>
+            </a:r>
+            <a:r>
+              <a:rPr lang="ro-RO" dirty="0"/>
+              <a:t>posibilitatea </a:t>
+            </a:r>
+            <a:r>
+              <a:rPr lang="ro-RO" dirty="0" smtClean="0"/>
+              <a:t>de a crea interfete cross platform</a:t>
+            </a:r>
+            <a:endParaRPr lang="en-US" dirty="0"/>
+          </a:p>
+        </p:txBody>
+      </p:sp>
+      <p:pic>
+        <p:nvPicPr>
+          <p:cNvPr id="5" name="Picture 4"/>
+          <p:cNvPicPr>
+            <a:picLocks noChangeAspect="1"/>
+          </p:cNvPicPr>
+          <p:nvPr/>
+        </p:nvPicPr>
+        <p:blipFill>
+          <a:blip r:embed="rId2">
+            <a:extLst>
+              <a:ext uri="{28A0092B-C50C-407E-A947-70E740481C1C}">
+                <a14:useLocalDpi xmlns:a14="http://schemas.microsoft.com/office/drawing/2010/main" val="0"/>
+              </a:ext>
+            </a:extLst>
+          </a:blip>
+          <a:stretch>
+            <a:fillRect/>
+          </a:stretch>
+        </p:blipFill>
+        <p:spPr>
+          <a:xfrm>
+            <a:off x="-172453" y="2364831"/>
+            <a:ext cx="4703986" cy="1918411"/>
+          </a:xfrm>
+          <a:prstGeom prst="rect">
+            <a:avLst/>
+          </a:prstGeom>
+        </p:spPr>
+      </p:pic>
     </p:spTree>
     <p:extLst>
       <p:ext uri="{BB962C8B-B14F-4D97-AF65-F5344CB8AC3E}">
         <p14:creationId xmlns:p14="http://schemas.microsoft.com/office/powerpoint/2010/main" val="781464271"/>
+      </p:ext>
+    </p:extLst>
+  </p:cSld>
+  <p:clrMapOvr>
+    <a:masterClrMapping/>
+  </p:clrMapOvr>
+</p:sld>
+</file>
+
+<file path=ppt/slides/slide5.xml><?xml version="1.0" encoding="utf-8"?>
+<p:sld xmlns:a="http://schemas.openxmlformats.org/drawingml/2006/main" xmlns:r="http://schemas.openxmlformats.org/officeDocument/2006/relationships" xmlns:p="http://schemas.openxmlformats.org/presentationml/2006/main">
+  <p:cSld>
+    <p:spTree>
+      <p:nvGrpSpPr>
+        <p:cNvPr id="1" name=""/>
+        <p:cNvGrpSpPr/>
+        <p:nvPr/>
+      </p:nvGrpSpPr>
+      <p:grpSpPr>
+        <a:xfrm>
+          <a:off x="0" y="0"/>
+          <a:ext cx="0" cy="0"/>
+          <a:chOff x="0" y="0"/>
+          <a:chExt cx="0" cy="0"/>
+        </a:xfrm>
+      </p:grpSpPr>
+      <p:sp>
+        <p:nvSpPr>
+          <p:cNvPr id="3" name="Content Placeholder 2"/>
+          <p:cNvSpPr>
+            <a:spLocks noGrp="1"/>
+          </p:cNvSpPr>
+          <p:nvPr>
+            <p:ph idx="4294967295"/>
+          </p:nvPr>
+        </p:nvSpPr>
+        <p:spPr>
+          <a:xfrm>
+            <a:off x="4491790" y="863790"/>
+            <a:ext cx="7315200" cy="5121275"/>
+          </a:xfrm>
+        </p:spPr>
+        <p:txBody>
+          <a:bodyPr/>
+          <a:lstStyle/>
+          <a:p>
+            <a:r>
+              <a:rPr lang="ro-RO" dirty="0" smtClean="0"/>
+              <a:t>A fost creat în 1999 pentru a fi folosit ca și protocol de comunicare pentru conectarea conductelor de petrol prin conexiunea satelit.</a:t>
+            </a:r>
+          </a:p>
+          <a:p>
+            <a:r>
+              <a:rPr lang="ro-RO" dirty="0" smtClean="0"/>
+              <a:t>Este un protocol foarte eficient</a:t>
+            </a:r>
+          </a:p>
+          <a:p>
+            <a:r>
+              <a:rPr lang="ro-RO" dirty="0" smtClean="0"/>
+              <a:t>Facebook Messenger, o aplicatie care are lunar 1,2 Miliarde de utilizatori foloseste acest protocol</a:t>
+            </a:r>
+          </a:p>
+          <a:p>
+            <a:r>
+              <a:rPr lang="ro-RO" dirty="0" smtClean="0"/>
+              <a:t>Folosește </a:t>
+            </a:r>
+            <a:r>
+              <a:rPr lang="ro-RO" dirty="0"/>
+              <a:t>o structură de comunicare de tip publish/subscribe</a:t>
+            </a:r>
+            <a:endParaRPr lang="ro-RO" dirty="0" smtClean="0"/>
+          </a:p>
+        </p:txBody>
+      </p:sp>
+      <p:pic>
+        <p:nvPicPr>
+          <p:cNvPr id="6" name="Picture 5"/>
+          <p:cNvPicPr>
+            <a:picLocks noChangeAspect="1"/>
+          </p:cNvPicPr>
+          <p:nvPr/>
+        </p:nvPicPr>
+        <p:blipFill>
+          <a:blip r:embed="rId2">
+            <a:extLst>
+              <a:ext uri="{28A0092B-C50C-407E-A947-70E740481C1C}">
+                <a14:useLocalDpi xmlns:a14="http://schemas.microsoft.com/office/drawing/2010/main" val="0"/>
+              </a:ext>
+            </a:extLst>
+          </a:blip>
+          <a:stretch>
+            <a:fillRect/>
+          </a:stretch>
+        </p:blipFill>
+        <p:spPr>
+          <a:xfrm>
+            <a:off x="279734" y="1995678"/>
+            <a:ext cx="2857500" cy="2857500"/>
+          </a:xfrm>
+          <a:prstGeom prst="rect">
+            <a:avLst/>
+          </a:prstGeom>
+        </p:spPr>
+      </p:pic>
+    </p:spTree>
+    <p:extLst>
+      <p:ext uri="{BB962C8B-B14F-4D97-AF65-F5344CB8AC3E}">
+        <p14:creationId xmlns:p14="http://schemas.microsoft.com/office/powerpoint/2010/main" val="1514084194"/>
+      </p:ext>
+    </p:extLst>
+  </p:cSld>
+  <p:clrMapOvr>
+    <a:masterClrMapping/>
+  </p:clrMapOvr>
+</p:sld>
+</file>
+
+<file path=ppt/slides/slide6.xml><?xml version="1.0" encoding="utf-8"?>
+<p:sld xmlns:a="http://schemas.openxmlformats.org/drawingml/2006/main" xmlns:r="http://schemas.openxmlformats.org/officeDocument/2006/relationships" xmlns:p="http://schemas.openxmlformats.org/presentationml/2006/main">
+  <p:cSld>
+    <p:spTree>
+      <p:nvGrpSpPr>
+        <p:cNvPr id="1" name=""/>
+        <p:cNvGrpSpPr/>
+        <p:nvPr/>
+      </p:nvGrpSpPr>
+      <p:grpSpPr>
+        <a:xfrm>
+          <a:off x="0" y="0"/>
+          <a:ext cx="0" cy="0"/>
+          <a:chOff x="0" y="0"/>
+          <a:chExt cx="0" cy="0"/>
+        </a:xfrm>
+      </p:grpSpPr>
+      <p:sp>
+        <p:nvSpPr>
+          <p:cNvPr id="3" name="Content Placeholder 2"/>
+          <p:cNvSpPr>
+            <a:spLocks noGrp="1"/>
+          </p:cNvSpPr>
+          <p:nvPr>
+            <p:ph idx="4294967295"/>
+          </p:nvPr>
+        </p:nvSpPr>
+        <p:spPr>
+          <a:xfrm>
+            <a:off x="4572000" y="788945"/>
+            <a:ext cx="7315200" cy="5119687"/>
+          </a:xfrm>
+        </p:spPr>
+        <p:txBody>
+          <a:bodyPr/>
+          <a:lstStyle/>
+          <a:p>
+            <a:r>
+              <a:rPr lang="ro-RO" dirty="0" smtClean="0"/>
+              <a:t>Serverul numit și Broker este </a:t>
+            </a:r>
+            <a:r>
+              <a:rPr lang="ro-RO" dirty="0"/>
+              <a:t>responsabil pentru primirea tuturor mesajelor, pentru filtrarea </a:t>
+            </a:r>
+            <a:r>
+              <a:rPr lang="ro-RO" dirty="0" smtClean="0"/>
+              <a:t>lor și </a:t>
+            </a:r>
+            <a:r>
+              <a:rPr lang="ro-RO" dirty="0"/>
+              <a:t>apoi trimiterea mesajului către toți clienții </a:t>
+            </a:r>
+            <a:r>
+              <a:rPr lang="ro-RO" dirty="0" smtClean="0"/>
+              <a:t>abonați. </a:t>
+            </a:r>
+          </a:p>
+          <a:p>
+            <a:r>
+              <a:rPr lang="ro-RO" dirty="0"/>
+              <a:t>Un client MQTT este orice dispozitiv de la un microcontroler până la un </a:t>
+            </a:r>
+            <a:r>
+              <a:rPr lang="ro-RO" dirty="0" smtClean="0"/>
+              <a:t>server care se conectează </a:t>
+            </a:r>
+            <a:r>
+              <a:rPr lang="ro-RO" dirty="0"/>
+              <a:t>la un broker </a:t>
+            </a:r>
+            <a:r>
+              <a:rPr lang="ro-RO" dirty="0" smtClean="0"/>
+              <a:t>MQTT.</a:t>
+            </a:r>
+          </a:p>
+          <a:p>
+            <a:r>
+              <a:rPr lang="ro-RO" dirty="0" smtClean="0"/>
+              <a:t>Clientii se vor inregistra la mesajele de care sunt interesati (Subscribe) si vor avea posibilitatea să trimite mesaje care alti clienti (Publish).</a:t>
+            </a:r>
+          </a:p>
+          <a:p>
+            <a:endParaRPr lang="ro-RO" dirty="0" smtClean="0"/>
+          </a:p>
+          <a:p>
+            <a:endParaRPr lang="en-US" dirty="0"/>
+          </a:p>
+        </p:txBody>
+      </p:sp>
+      <p:pic>
+        <p:nvPicPr>
+          <p:cNvPr id="4" name="Picture 3"/>
+          <p:cNvPicPr/>
+          <p:nvPr/>
+        </p:nvPicPr>
+        <p:blipFill>
+          <a:blip r:embed="rId2">
+            <a:extLst>
+              <a:ext uri="{28A0092B-C50C-407E-A947-70E740481C1C}">
+                <a14:useLocalDpi xmlns:a14="http://schemas.microsoft.com/office/drawing/2010/main" val="0"/>
+              </a:ext>
+            </a:extLst>
+          </a:blip>
+          <a:srcRect/>
+          <a:stretch>
+            <a:fillRect/>
+          </a:stretch>
+        </p:blipFill>
+        <p:spPr bwMode="auto">
+          <a:xfrm>
+            <a:off x="160421" y="1239953"/>
+            <a:ext cx="4103370" cy="4217670"/>
+          </a:xfrm>
+          <a:prstGeom prst="rect">
+            <a:avLst/>
+          </a:prstGeom>
+          <a:solidFill>
+            <a:srgbClr val="FFFFFF"/>
+          </a:solidFill>
+          <a:ln>
+            <a:noFill/>
+          </a:ln>
+        </p:spPr>
+      </p:pic>
+    </p:spTree>
+    <p:extLst>
+      <p:ext uri="{BB962C8B-B14F-4D97-AF65-F5344CB8AC3E}">
+        <p14:creationId xmlns:p14="http://schemas.microsoft.com/office/powerpoint/2010/main" val="3423330708"/>
+      </p:ext>
+    </p:extLst>
+  </p:cSld>
+  <p:clrMapOvr>
+    <a:masterClrMapping/>
+  </p:clrMapOvr>
+</p:sld>
+</file>
+
+<file path=ppt/slides/slide7.xml><?xml version="1.0" encoding="utf-8"?>
+<p:sld xmlns:a="http://schemas.openxmlformats.org/drawingml/2006/main" xmlns:r="http://schemas.openxmlformats.org/officeDocument/2006/relationships" xmlns:p="http://schemas.openxmlformats.org/presentationml/2006/main">
+  <p:cSld>
+    <p:spTree>
+      <p:nvGrpSpPr>
+        <p:cNvPr id="1" name=""/>
+        <p:cNvGrpSpPr/>
+        <p:nvPr/>
+      </p:nvGrpSpPr>
+      <p:grpSpPr>
+        <a:xfrm>
+          <a:off x="0" y="0"/>
+          <a:ext cx="0" cy="0"/>
+          <a:chOff x="0" y="0"/>
+          <a:chExt cx="0" cy="0"/>
+        </a:xfrm>
+      </p:grpSpPr>
+      <p:sp>
+        <p:nvSpPr>
+          <p:cNvPr id="2" name="Title 1"/>
+          <p:cNvSpPr>
+            <a:spLocks noGrp="1"/>
+          </p:cNvSpPr>
+          <p:nvPr>
+            <p:ph type="title"/>
+          </p:nvPr>
+        </p:nvSpPr>
+        <p:spPr/>
+        <p:txBody>
+          <a:bodyPr/>
+          <a:lstStyle/>
+          <a:p>
+            <a:r>
+              <a:rPr lang="ro-RO" dirty="0" smtClean="0"/>
+              <a:t>Comunicarea între clienți</a:t>
+            </a:r>
+            <a:endParaRPr lang="en-US" dirty="0"/>
+          </a:p>
+        </p:txBody>
+      </p:sp>
+      <p:sp>
+        <p:nvSpPr>
+          <p:cNvPr id="3" name="Content Placeholder 2"/>
+          <p:cNvSpPr>
+            <a:spLocks noGrp="1"/>
+          </p:cNvSpPr>
+          <p:nvPr>
+            <p:ph idx="1"/>
+          </p:nvPr>
+        </p:nvSpPr>
+        <p:spPr/>
+        <p:txBody>
+          <a:bodyPr/>
+          <a:lstStyle/>
+          <a:p>
+            <a:r>
+              <a:rPr lang="ro-RO" dirty="0" smtClean="0"/>
+              <a:t>Fiecare client va face subscribe la toate mesajele trimise numarului lui de telefon (message/NrTelefon/#)</a:t>
+            </a:r>
+          </a:p>
+          <a:p>
+            <a:r>
+              <a:rPr lang="ro-RO" dirty="0" smtClean="0"/>
+              <a:t>Fiecare client va folosi aceeași structura cand va trimite un mesaj:</a:t>
+            </a:r>
+          </a:p>
+          <a:p>
+            <a:r>
+              <a:rPr lang="ro-RO" b="1" dirty="0" smtClean="0"/>
+              <a:t>Message </a:t>
+            </a:r>
+            <a:r>
+              <a:rPr lang="ro-RO" b="1" dirty="0"/>
+              <a:t>/ [ReceiverId] / [TopicId] /  [TopicName] / [MembersIDs] / [SenderID]</a:t>
+            </a:r>
+            <a:endParaRPr lang="en-US" dirty="0"/>
+          </a:p>
+          <a:p>
+            <a:pPr lvl="1"/>
+            <a:r>
+              <a:rPr lang="ro-RO" dirty="0"/>
+              <a:t>ReceiverId – Numărul de telefon al receptorului.</a:t>
+            </a:r>
+            <a:endParaRPr lang="en-US" dirty="0"/>
+          </a:p>
+          <a:p>
+            <a:pPr lvl="1"/>
+            <a:r>
+              <a:rPr lang="ro-RO" dirty="0"/>
+              <a:t>TopicId – Id-ul subiectului. Acesta va fi un GUID unic.</a:t>
+            </a:r>
+            <a:endParaRPr lang="en-US" dirty="0"/>
+          </a:p>
+          <a:p>
+            <a:pPr lvl="1"/>
+            <a:r>
+              <a:rPr lang="ro-RO" dirty="0"/>
+              <a:t>TopicName – Subiectul de discuție</a:t>
+            </a:r>
+            <a:endParaRPr lang="en-US" dirty="0"/>
+          </a:p>
+          <a:p>
+            <a:pPr lvl="1"/>
+            <a:r>
+              <a:rPr lang="ro-RO" dirty="0"/>
+              <a:t>MembersIDs – Membri implicați în discuție</a:t>
+            </a:r>
+            <a:endParaRPr lang="en-US" dirty="0"/>
+          </a:p>
+          <a:p>
+            <a:pPr lvl="1"/>
+            <a:r>
+              <a:rPr lang="ro-RO" dirty="0"/>
+              <a:t>SenderID – Numărul de telefon al celui care trimite mesajul.</a:t>
+            </a:r>
+            <a:endParaRPr lang="en-US" dirty="0"/>
+          </a:p>
+          <a:p>
+            <a:endParaRPr lang="en-US" dirty="0"/>
+          </a:p>
+        </p:txBody>
+      </p:sp>
+    </p:spTree>
+    <p:extLst>
+      <p:ext uri="{BB962C8B-B14F-4D97-AF65-F5344CB8AC3E}">
+        <p14:creationId xmlns:p14="http://schemas.microsoft.com/office/powerpoint/2010/main" val="148162278"/>
+      </p:ext>
+    </p:extLst>
+  </p:cSld>
+  <p:clrMapOvr>
+    <a:masterClrMapping/>
+  </p:clrMapOvr>
+</p:sld>
+</file>
+
+<file path=ppt/slides/slide8.xml><?xml version="1.0" encoding="utf-8"?>
+<p:sld xmlns:a="http://schemas.openxmlformats.org/drawingml/2006/main" xmlns:r="http://schemas.openxmlformats.org/officeDocument/2006/relationships" xmlns:p="http://schemas.openxmlformats.org/presentationml/2006/main">
+  <p:cSld>
+    <p:spTree>
+      <p:nvGrpSpPr>
+        <p:cNvPr id="1" name=""/>
+        <p:cNvGrpSpPr/>
+        <p:nvPr/>
+      </p:nvGrpSpPr>
+      <p:grpSpPr>
+        <a:xfrm>
+          <a:off x="0" y="0"/>
+          <a:ext cx="0" cy="0"/>
+          <a:chOff x="0" y="0"/>
+          <a:chExt cx="0" cy="0"/>
+        </a:xfrm>
+      </p:grpSpPr>
+      <p:sp>
+        <p:nvSpPr>
+          <p:cNvPr id="3" name="Content Placeholder 2"/>
+          <p:cNvSpPr>
+            <a:spLocks noGrp="1"/>
+          </p:cNvSpPr>
+          <p:nvPr>
+            <p:ph idx="4294967295"/>
+          </p:nvPr>
+        </p:nvSpPr>
+        <p:spPr>
+          <a:xfrm>
+            <a:off x="4411579" y="863789"/>
+            <a:ext cx="7315200" cy="5121275"/>
+          </a:xfrm>
+        </p:spPr>
+        <p:txBody>
+          <a:bodyPr/>
+          <a:lstStyle/>
+          <a:p>
+            <a:r>
+              <a:rPr lang="ro-RO" dirty="0" smtClean="0"/>
+              <a:t>Interfata contine 4 pagini. Pagina conversațiilor, pagina subiectelor de discuție, pagina contactelor si pagina comunicare.</a:t>
+            </a:r>
+          </a:p>
+          <a:p>
+            <a:r>
+              <a:rPr lang="ro-RO" dirty="0" smtClean="0"/>
+              <a:t>Fiecare conversație este grupata pe subiecte de discuție</a:t>
+            </a:r>
+            <a:r>
+              <a:rPr lang="ro-RO" smtClean="0"/>
+              <a:t>. </a:t>
+            </a:r>
+            <a:endParaRPr lang="ro-RO" dirty="0" smtClean="0"/>
+          </a:p>
+          <a:p>
+            <a:r>
+              <a:rPr lang="ro-RO" dirty="0" smtClean="0"/>
+              <a:t>Sunt folosite numai controale native </a:t>
+            </a:r>
+          </a:p>
+          <a:p>
+            <a:endParaRPr lang="en-US" dirty="0"/>
+          </a:p>
+        </p:txBody>
+      </p:sp>
+      <p:pic>
+        <p:nvPicPr>
+          <p:cNvPr id="5" name="Picture 4"/>
+          <p:cNvPicPr/>
+          <p:nvPr/>
+        </p:nvPicPr>
+        <p:blipFill>
+          <a:blip r:embed="rId2"/>
+          <a:stretch>
+            <a:fillRect/>
+          </a:stretch>
+        </p:blipFill>
+        <p:spPr>
+          <a:xfrm>
+            <a:off x="144379" y="592695"/>
+            <a:ext cx="3088155" cy="5663465"/>
+          </a:xfrm>
+          <a:prstGeom prst="rect">
+            <a:avLst/>
+          </a:prstGeom>
+        </p:spPr>
+      </p:pic>
+    </p:spTree>
+    <p:extLst>
+      <p:ext uri="{BB962C8B-B14F-4D97-AF65-F5344CB8AC3E}">
+        <p14:creationId xmlns:p14="http://schemas.microsoft.com/office/powerpoint/2010/main" val="123989346"/>
       </p:ext>
     </p:extLst>
   </p:cSld>

--- a/Documentatie/Topichat Prezentare.pptx
+++ b/Documentatie/Topichat Prezentare.pptx
@@ -119,6 +119,10 @@
 </p:presentation>
 </file>
 
+<file path=ppt/revisionInfo.xml><?xml version="1.0" encoding="utf-8"?>
+<p1510:revInfo xmlns:a="http://schemas.openxmlformats.org/drawingml/2006/main" xmlns:r="http://schemas.openxmlformats.org/officeDocument/2006/relationships" xmlns:p1510="http://schemas.microsoft.com/office/powerpoint/2015/10/main"/>
+</file>
+
 <file path=ppt/slideLayouts/slideLayout1.xml><?xml version="1.0" encoding="utf-8"?>
 <p:sldLayout xmlns:a="http://schemas.openxmlformats.org/drawingml/2006/main" xmlns:r="http://schemas.openxmlformats.org/officeDocument/2006/relationships" xmlns:p="http://schemas.openxmlformats.org/presentationml/2006/main" showMasterSp="0" type="title" preserve="1">
   <p:cSld name="Title Slide">
@@ -245,7 +249,7 @@
           </a:lstStyle>
           <a:p>
             <a:r>
-              <a:rPr lang="en-US" smtClean="0"/>
+              <a:rPr lang="en-US"/>
               <a:t>Click to edit Master title style</a:t>
             </a:r>
             <a:endParaRPr lang="en-US" dirty="0"/>
@@ -319,7 +323,7 @@
           </a:lstStyle>
           <a:p>
             <a:r>
-              <a:rPr lang="en-US" smtClean="0"/>
+              <a:rPr lang="en-US"/>
               <a:t>Click to edit Master subtitle style</a:t>
             </a:r>
             <a:endParaRPr lang="en-US" dirty="0"/>
@@ -344,7 +348,7 @@
             <a:fld id="{5586B75A-687E-405C-8A0B-8D00578BA2C3}" type="datetimeFigureOut">
               <a:rPr lang="en-US" dirty="0"/>
               <a:pPr/>
-              <a:t>6/23/2017</a:t>
+              <a:t>6/25/2017</a:t>
             </a:fld>
             <a:endParaRPr lang="en-US" dirty="0"/>
           </a:p>
@@ -434,7 +438,7 @@
           <a:lstStyle/>
           <a:p>
             <a:r>
-              <a:rPr lang="en-US" smtClean="0"/>
+              <a:rPr lang="en-US"/>
               <a:t>Click to edit Master title style</a:t>
             </a:r>
             <a:endParaRPr lang="en-US" dirty="0"/>
@@ -458,35 +462,35 @@
           <a:p>
             <a:pPr lvl="0"/>
             <a:r>
-              <a:rPr lang="en-US" smtClean="0"/>
+              <a:rPr lang="en-US"/>
               <a:t>Edit Master text styles</a:t>
             </a:r>
           </a:p>
           <a:p>
             <a:pPr lvl="1"/>
             <a:r>
-              <a:rPr lang="en-US" smtClean="0"/>
+              <a:rPr lang="en-US"/>
               <a:t>Second level</a:t>
             </a:r>
           </a:p>
           <a:p>
             <a:pPr lvl="2"/>
             <a:r>
-              <a:rPr lang="en-US" smtClean="0"/>
+              <a:rPr lang="en-US"/>
               <a:t>Third level</a:t>
             </a:r>
           </a:p>
           <a:p>
             <a:pPr lvl="3"/>
             <a:r>
-              <a:rPr lang="en-US" smtClean="0"/>
+              <a:rPr lang="en-US"/>
               <a:t>Fourth level</a:t>
             </a:r>
           </a:p>
           <a:p>
             <a:pPr lvl="4"/>
             <a:r>
-              <a:rPr lang="en-US" smtClean="0"/>
+              <a:rPr lang="en-US"/>
               <a:t>Fifth level</a:t>
             </a:r>
             <a:endParaRPr lang="en-US" dirty="0"/>
@@ -511,7 +515,7 @@
             <a:fld id="{5586B75A-687E-405C-8A0B-8D00578BA2C3}" type="datetimeFigureOut">
               <a:rPr lang="en-US" dirty="0"/>
               <a:pPr/>
-              <a:t>6/23/2017</a:t>
+              <a:t>6/25/2017</a:t>
             </a:fld>
             <a:endParaRPr lang="en-US" dirty="0"/>
           </a:p>
@@ -606,7 +610,7 @@
           <a:lstStyle/>
           <a:p>
             <a:r>
-              <a:rPr lang="en-US" smtClean="0"/>
+              <a:rPr lang="en-US"/>
               <a:t>Click to edit Master title style</a:t>
             </a:r>
             <a:endParaRPr lang="en-US" dirty="0"/>
@@ -635,35 +639,35 @@
           <a:p>
             <a:pPr lvl="0"/>
             <a:r>
-              <a:rPr lang="en-US" smtClean="0"/>
+              <a:rPr lang="en-US"/>
               <a:t>Edit Master text styles</a:t>
             </a:r>
           </a:p>
           <a:p>
             <a:pPr lvl="1"/>
             <a:r>
-              <a:rPr lang="en-US" smtClean="0"/>
+              <a:rPr lang="en-US"/>
               <a:t>Second level</a:t>
             </a:r>
           </a:p>
           <a:p>
             <a:pPr lvl="2"/>
             <a:r>
-              <a:rPr lang="en-US" smtClean="0"/>
+              <a:rPr lang="en-US"/>
               <a:t>Third level</a:t>
             </a:r>
           </a:p>
           <a:p>
             <a:pPr lvl="3"/>
             <a:r>
-              <a:rPr lang="en-US" smtClean="0"/>
+              <a:rPr lang="en-US"/>
               <a:t>Fourth level</a:t>
             </a:r>
           </a:p>
           <a:p>
             <a:pPr lvl="4"/>
             <a:r>
-              <a:rPr lang="en-US" smtClean="0"/>
+              <a:rPr lang="en-US"/>
               <a:t>Fifth level</a:t>
             </a:r>
             <a:endParaRPr lang="en-US" dirty="0"/>
@@ -688,7 +692,7 @@
             <a:fld id="{5586B75A-687E-405C-8A0B-8D00578BA2C3}" type="datetimeFigureOut">
               <a:rPr lang="en-US" dirty="0"/>
               <a:pPr/>
-              <a:t>6/23/2017</a:t>
+              <a:t>6/25/2017</a:t>
             </a:fld>
             <a:endParaRPr lang="en-US" dirty="0"/>
           </a:p>
@@ -778,7 +782,7 @@
           <a:lstStyle/>
           <a:p>
             <a:r>
-              <a:rPr lang="en-US" smtClean="0"/>
+              <a:rPr lang="en-US"/>
               <a:t>Click to edit Master title style</a:t>
             </a:r>
             <a:endParaRPr lang="en-US" dirty="0"/>
@@ -802,35 +806,35 @@
           <a:p>
             <a:pPr lvl="0"/>
             <a:r>
-              <a:rPr lang="en-US" smtClean="0"/>
+              <a:rPr lang="en-US"/>
               <a:t>Edit Master text styles</a:t>
             </a:r>
           </a:p>
           <a:p>
             <a:pPr lvl="1"/>
             <a:r>
-              <a:rPr lang="en-US" smtClean="0"/>
+              <a:rPr lang="en-US"/>
               <a:t>Second level</a:t>
             </a:r>
           </a:p>
           <a:p>
             <a:pPr lvl="2"/>
             <a:r>
-              <a:rPr lang="en-US" smtClean="0"/>
+              <a:rPr lang="en-US"/>
               <a:t>Third level</a:t>
             </a:r>
           </a:p>
           <a:p>
             <a:pPr lvl="3"/>
             <a:r>
-              <a:rPr lang="en-US" smtClean="0"/>
+              <a:rPr lang="en-US"/>
               <a:t>Fourth level</a:t>
             </a:r>
           </a:p>
           <a:p>
             <a:pPr lvl="4"/>
             <a:r>
-              <a:rPr lang="en-US" smtClean="0"/>
+              <a:rPr lang="en-US"/>
               <a:t>Fifth level</a:t>
             </a:r>
             <a:endParaRPr lang="en-US" dirty="0"/>
@@ -855,7 +859,7 @@
             <a:fld id="{5586B75A-687E-405C-8A0B-8D00578BA2C3}" type="datetimeFigureOut">
               <a:rPr lang="en-US" dirty="0"/>
               <a:pPr/>
-              <a:t>6/23/2017</a:t>
+              <a:t>6/25/2017</a:t>
             </a:fld>
             <a:endParaRPr lang="en-US" dirty="0"/>
           </a:p>
@@ -963,7 +967,7 @@
           </a:lstStyle>
           <a:p>
             <a:r>
-              <a:rPr lang="en-US" smtClean="0"/>
+              <a:rPr lang="en-US"/>
               <a:t>Click to edit Master title style</a:t>
             </a:r>
             <a:endParaRPr lang="en-US" dirty="0"/>
@@ -1086,7 +1090,7 @@
           <a:p>
             <a:pPr lvl="0"/>
             <a:r>
-              <a:rPr lang="en-US" smtClean="0"/>
+              <a:rPr lang="en-US"/>
               <a:t>Edit Master text styles</a:t>
             </a:r>
           </a:p>
@@ -1110,7 +1114,7 @@
             <a:fld id="{5586B75A-687E-405C-8A0B-8D00578BA2C3}" type="datetimeFigureOut">
               <a:rPr lang="en-US" dirty="0"/>
               <a:pPr/>
-              <a:t>6/23/2017</a:t>
+              <a:t>6/25/2017</a:t>
             </a:fld>
             <a:endParaRPr lang="en-US" dirty="0"/>
           </a:p>
@@ -1200,7 +1204,7 @@
           <a:lstStyle/>
           <a:p>
             <a:r>
-              <a:rPr lang="en-US" smtClean="0"/>
+              <a:rPr lang="en-US"/>
               <a:t>Click to edit Master title style</a:t>
             </a:r>
             <a:endParaRPr lang="en-US" dirty="0"/>
@@ -1257,35 +1261,35 @@
           <a:p>
             <a:pPr lvl="0"/>
             <a:r>
-              <a:rPr lang="en-US" smtClean="0"/>
+              <a:rPr lang="en-US"/>
               <a:t>Edit Master text styles</a:t>
             </a:r>
           </a:p>
           <a:p>
             <a:pPr lvl="1"/>
             <a:r>
-              <a:rPr lang="en-US" smtClean="0"/>
+              <a:rPr lang="en-US"/>
               <a:t>Second level</a:t>
             </a:r>
           </a:p>
           <a:p>
             <a:pPr lvl="2"/>
             <a:r>
-              <a:rPr lang="en-US" smtClean="0"/>
+              <a:rPr lang="en-US"/>
               <a:t>Third level</a:t>
             </a:r>
           </a:p>
           <a:p>
             <a:pPr lvl="3"/>
             <a:r>
-              <a:rPr lang="en-US" smtClean="0"/>
+              <a:rPr lang="en-US"/>
               <a:t>Fourth level</a:t>
             </a:r>
           </a:p>
           <a:p>
             <a:pPr lvl="4"/>
             <a:r>
-              <a:rPr lang="en-US" smtClean="0"/>
+              <a:rPr lang="en-US"/>
               <a:t>Fifth level</a:t>
             </a:r>
             <a:endParaRPr lang="en-US" dirty="0"/>
@@ -1342,35 +1346,35 @@
           <a:p>
             <a:pPr lvl="0"/>
             <a:r>
-              <a:rPr lang="en-US" smtClean="0"/>
+              <a:rPr lang="en-US"/>
               <a:t>Edit Master text styles</a:t>
             </a:r>
           </a:p>
           <a:p>
             <a:pPr lvl="1"/>
             <a:r>
-              <a:rPr lang="en-US" smtClean="0"/>
+              <a:rPr lang="en-US"/>
               <a:t>Second level</a:t>
             </a:r>
           </a:p>
           <a:p>
             <a:pPr lvl="2"/>
             <a:r>
-              <a:rPr lang="en-US" smtClean="0"/>
+              <a:rPr lang="en-US"/>
               <a:t>Third level</a:t>
             </a:r>
           </a:p>
           <a:p>
             <a:pPr lvl="3"/>
             <a:r>
-              <a:rPr lang="en-US" smtClean="0"/>
+              <a:rPr lang="en-US"/>
               <a:t>Fourth level</a:t>
             </a:r>
           </a:p>
           <a:p>
             <a:pPr lvl="4"/>
             <a:r>
-              <a:rPr lang="en-US" smtClean="0"/>
+              <a:rPr lang="en-US"/>
               <a:t>Fifth level</a:t>
             </a:r>
             <a:endParaRPr lang="en-US" dirty="0"/>
@@ -1395,7 +1399,7 @@
             <a:fld id="{5586B75A-687E-405C-8A0B-8D00578BA2C3}" type="datetimeFigureOut">
               <a:rPr lang="en-US" dirty="0"/>
               <a:pPr/>
-              <a:t>6/23/2017</a:t>
+              <a:t>6/25/2017</a:t>
             </a:fld>
             <a:endParaRPr lang="en-US" dirty="0"/>
           </a:p>
@@ -1485,7 +1489,7 @@
           <a:lstStyle/>
           <a:p>
             <a:r>
-              <a:rPr lang="en-US" smtClean="0"/>
+              <a:rPr lang="en-US"/>
               <a:t>Click to edit Master title style</a:t>
             </a:r>
             <a:endParaRPr lang="en-US" dirty="0"/>
@@ -1563,7 +1567,7 @@
           <a:p>
             <a:pPr lvl="0"/>
             <a:r>
-              <a:rPr lang="en-US" smtClean="0"/>
+              <a:rPr lang="en-US"/>
               <a:t>Edit Master text styles</a:t>
             </a:r>
           </a:p>
@@ -1619,35 +1623,35 @@
           <a:p>
             <a:pPr lvl="0"/>
             <a:r>
-              <a:rPr lang="en-US" smtClean="0"/>
+              <a:rPr lang="en-US"/>
               <a:t>Edit Master text styles</a:t>
             </a:r>
           </a:p>
           <a:p>
             <a:pPr lvl="1"/>
             <a:r>
-              <a:rPr lang="en-US" smtClean="0"/>
+              <a:rPr lang="en-US"/>
               <a:t>Second level</a:t>
             </a:r>
           </a:p>
           <a:p>
             <a:pPr lvl="2"/>
             <a:r>
-              <a:rPr lang="en-US" smtClean="0"/>
+              <a:rPr lang="en-US"/>
               <a:t>Third level</a:t>
             </a:r>
           </a:p>
           <a:p>
             <a:pPr lvl="3"/>
             <a:r>
-              <a:rPr lang="en-US" smtClean="0"/>
+              <a:rPr lang="en-US"/>
               <a:t>Fourth level</a:t>
             </a:r>
           </a:p>
           <a:p>
             <a:pPr lvl="4"/>
             <a:r>
-              <a:rPr lang="en-US" smtClean="0"/>
+              <a:rPr lang="en-US"/>
               <a:t>Fifth level</a:t>
             </a:r>
             <a:endParaRPr lang="en-US" dirty="0"/>
@@ -1725,7 +1729,7 @@
           <a:p>
             <a:pPr lvl="0"/>
             <a:r>
-              <a:rPr lang="en-US" smtClean="0"/>
+              <a:rPr lang="en-US"/>
               <a:t>Edit Master text styles</a:t>
             </a:r>
           </a:p>
@@ -1781,35 +1785,35 @@
           <a:p>
             <a:pPr lvl="0"/>
             <a:r>
-              <a:rPr lang="en-US" smtClean="0"/>
+              <a:rPr lang="en-US"/>
               <a:t>Edit Master text styles</a:t>
             </a:r>
           </a:p>
           <a:p>
             <a:pPr lvl="1"/>
             <a:r>
-              <a:rPr lang="en-US" smtClean="0"/>
+              <a:rPr lang="en-US"/>
               <a:t>Second level</a:t>
             </a:r>
           </a:p>
           <a:p>
             <a:pPr lvl="2"/>
             <a:r>
-              <a:rPr lang="en-US" smtClean="0"/>
+              <a:rPr lang="en-US"/>
               <a:t>Third level</a:t>
             </a:r>
           </a:p>
           <a:p>
             <a:pPr lvl="3"/>
             <a:r>
-              <a:rPr lang="en-US" smtClean="0"/>
+              <a:rPr lang="en-US"/>
               <a:t>Fourth level</a:t>
             </a:r>
           </a:p>
           <a:p>
             <a:pPr lvl="4"/>
             <a:r>
-              <a:rPr lang="en-US" smtClean="0"/>
+              <a:rPr lang="en-US"/>
               <a:t>Fifth level</a:t>
             </a:r>
             <a:endParaRPr lang="en-US" dirty="0"/>
@@ -1834,7 +1838,7 @@
             <a:fld id="{5586B75A-687E-405C-8A0B-8D00578BA2C3}" type="datetimeFigureOut">
               <a:rPr lang="en-US" dirty="0"/>
               <a:pPr/>
-              <a:t>6/23/2017</a:t>
+              <a:t>6/25/2017</a:t>
             </a:fld>
             <a:endParaRPr lang="en-US" dirty="0"/>
           </a:p>
@@ -1924,7 +1928,7 @@
           <a:lstStyle/>
           <a:p>
             <a:r>
-              <a:rPr lang="en-US" smtClean="0"/>
+              <a:rPr lang="en-US"/>
               <a:t>Click to edit Master title style</a:t>
             </a:r>
             <a:endParaRPr lang="en-US" dirty="0"/>
@@ -1949,7 +1953,7 @@
             <a:fld id="{5586B75A-687E-405C-8A0B-8D00578BA2C3}" type="datetimeFigureOut">
               <a:rPr lang="en-US" dirty="0"/>
               <a:pPr/>
-              <a:t>6/23/2017</a:t>
+              <a:t>6/25/2017</a:t>
             </a:fld>
             <a:endParaRPr lang="en-US" dirty="0"/>
           </a:p>
@@ -2041,7 +2045,7 @@
             <a:fld id="{5586B75A-687E-405C-8A0B-8D00578BA2C3}" type="datetimeFigureOut">
               <a:rPr lang="en-US" dirty="0"/>
               <a:pPr/>
-              <a:t>6/23/2017</a:t>
+              <a:t>6/25/2017</a:t>
             </a:fld>
             <a:endParaRPr lang="en-US" dirty="0"/>
           </a:p>
@@ -2142,7 +2146,7 @@
           </a:lstStyle>
           <a:p>
             <a:r>
-              <a:rPr lang="en-US" smtClean="0"/>
+              <a:rPr lang="en-US"/>
               <a:t>Click to edit Master title style</a:t>
             </a:r>
             <a:endParaRPr lang="en-US" dirty="0"/>
@@ -2199,35 +2203,35 @@
           <a:p>
             <a:pPr lvl="0"/>
             <a:r>
-              <a:rPr lang="en-US" smtClean="0"/>
+              <a:rPr lang="en-US"/>
               <a:t>Edit Master text styles</a:t>
             </a:r>
           </a:p>
           <a:p>
             <a:pPr lvl="1"/>
             <a:r>
-              <a:rPr lang="en-US" smtClean="0"/>
+              <a:rPr lang="en-US"/>
               <a:t>Second level</a:t>
             </a:r>
           </a:p>
           <a:p>
             <a:pPr lvl="2"/>
             <a:r>
-              <a:rPr lang="en-US" smtClean="0"/>
+              <a:rPr lang="en-US"/>
               <a:t>Third level</a:t>
             </a:r>
           </a:p>
           <a:p>
             <a:pPr lvl="3"/>
             <a:r>
-              <a:rPr lang="en-US" smtClean="0"/>
+              <a:rPr lang="en-US"/>
               <a:t>Fourth level</a:t>
             </a:r>
           </a:p>
           <a:p>
             <a:pPr lvl="4"/>
             <a:r>
-              <a:rPr lang="en-US" smtClean="0"/>
+              <a:rPr lang="en-US"/>
               <a:t>Fifth level</a:t>
             </a:r>
             <a:endParaRPr lang="en-US" dirty="0"/>
@@ -2302,7 +2306,7 @@
           <a:p>
             <a:pPr lvl="0"/>
             <a:r>
-              <a:rPr lang="en-US" smtClean="0"/>
+              <a:rPr lang="en-US"/>
               <a:t>Edit Master text styles</a:t>
             </a:r>
           </a:p>
@@ -2326,7 +2330,7 @@
             <a:fld id="{5586B75A-687E-405C-8A0B-8D00578BA2C3}" type="datetimeFigureOut">
               <a:rPr lang="en-US" dirty="0"/>
               <a:pPr/>
-              <a:t>6/23/2017</a:t>
+              <a:t>6/25/2017</a:t>
             </a:fld>
             <a:endParaRPr lang="en-US" dirty="0"/>
           </a:p>
@@ -2427,7 +2431,7 @@
           </a:lstStyle>
           <a:p>
             <a:r>
-              <a:rPr lang="en-US" smtClean="0"/>
+              <a:rPr lang="en-US"/>
               <a:t>Click to edit Master title style</a:t>
             </a:r>
             <a:endParaRPr lang="en-US" dirty="0"/>
@@ -2497,7 +2501,7 @@
           </a:lstStyle>
           <a:p>
             <a:r>
-              <a:rPr lang="en-US" smtClean="0"/>
+              <a:rPr lang="en-US"/>
               <a:t>Click icon to add picture</a:t>
             </a:r>
             <a:endParaRPr lang="en-US" dirty="0"/>
@@ -2572,7 +2576,7 @@
           <a:p>
             <a:pPr lvl="0"/>
             <a:r>
-              <a:rPr lang="en-US" smtClean="0"/>
+              <a:rPr lang="en-US"/>
               <a:t>Edit Master text styles</a:t>
             </a:r>
           </a:p>
@@ -2596,7 +2600,7 @@
             <a:fld id="{5586B75A-687E-405C-8A0B-8D00578BA2C3}" type="datetimeFigureOut">
               <a:rPr lang="en-US" dirty="0"/>
               <a:pPr/>
-              <a:t>6/23/2017</a:t>
+              <a:t>6/25/2017</a:t>
             </a:fld>
             <a:endParaRPr lang="en-US" dirty="0"/>
           </a:p>
@@ -2744,7 +2748,7 @@
           <a:lstStyle/>
           <a:p>
             <a:r>
-              <a:rPr lang="en-US" smtClean="0"/>
+              <a:rPr lang="en-US"/>
               <a:t>Click to edit Master title style</a:t>
             </a:r>
             <a:endParaRPr lang="en-US" dirty="0"/>
@@ -2818,35 +2822,35 @@
           <a:p>
             <a:pPr lvl="0"/>
             <a:r>
-              <a:rPr lang="en-US" smtClean="0"/>
+              <a:rPr lang="en-US"/>
               <a:t>Edit Master text styles</a:t>
             </a:r>
           </a:p>
           <a:p>
             <a:pPr lvl="1"/>
             <a:r>
-              <a:rPr lang="en-US" smtClean="0"/>
+              <a:rPr lang="en-US"/>
               <a:t>Second level</a:t>
             </a:r>
           </a:p>
           <a:p>
             <a:pPr lvl="2"/>
             <a:r>
-              <a:rPr lang="en-US" smtClean="0"/>
+              <a:rPr lang="en-US"/>
               <a:t>Third level</a:t>
             </a:r>
           </a:p>
           <a:p>
             <a:pPr lvl="3"/>
             <a:r>
-              <a:rPr lang="en-US" smtClean="0"/>
+              <a:rPr lang="en-US"/>
               <a:t>Fourth level</a:t>
             </a:r>
           </a:p>
           <a:p>
             <a:pPr lvl="4"/>
             <a:r>
-              <a:rPr lang="en-US" smtClean="0"/>
+              <a:rPr lang="en-US"/>
               <a:t>Fifth level</a:t>
             </a:r>
             <a:endParaRPr lang="en-US" dirty="0"/>
@@ -2890,7 +2894,7 @@
             <a:fld id="{5586B75A-687E-405C-8A0B-8D00578BA2C3}" type="datetimeFigureOut">
               <a:rPr lang="en-US" dirty="0"/>
               <a:pPr/>
-              <a:t>6/23/2017</a:t>
+              <a:t>6/25/2017</a:t>
             </a:fld>
             <a:endParaRPr lang="en-US" dirty="0"/>
           </a:p>
@@ -3385,7 +3389,7 @@
           <a:lstStyle/>
           <a:p>
             <a:r>
-              <a:rPr lang="en-US" dirty="0" err="1" smtClean="0"/>
+              <a:rPr lang="en-US" dirty="0" err="1"/>
               <a:t>Topichat</a:t>
             </a:r>
             <a:endParaRPr lang="en-US" dirty="0"/>
@@ -3408,11 +3412,11 @@
           <a:lstStyle/>
           <a:p>
             <a:r>
-              <a:rPr lang="en-US" dirty="0" err="1" smtClean="0"/>
+              <a:rPr lang="en-US" dirty="0" err="1"/>
               <a:t>Aplica</a:t>
             </a:r>
             <a:r>
-              <a:rPr lang="ro-RO" dirty="0" smtClean="0"/>
+              <a:rPr lang="ro-RO" dirty="0"/>
               <a:t>ție mobilă de comunicare cross-platform</a:t>
             </a:r>
             <a:endParaRPr lang="en-US" dirty="0"/>
@@ -3465,7 +3469,7 @@
           <a:lstStyle/>
           <a:p>
             <a:r>
-              <a:rPr lang="ro-RO" dirty="0" smtClean="0"/>
+              <a:rPr lang="ro-RO" dirty="0"/>
               <a:t>Introducere</a:t>
             </a:r>
             <a:endParaRPr lang="en-US" dirty="0"/>
@@ -3488,19 +3492,20 @@
           <a:lstStyle/>
           <a:p>
             <a:r>
-              <a:rPr lang="ro-RO" dirty="0" smtClean="0"/>
+              <a:rPr lang="ro-RO" dirty="0"/>
+              <a:t>Conversațiile sunt grupate pe subiecte de discuție</a:t>
+            </a:r>
+            <a:endParaRPr lang="en-US" dirty="0"/>
+          </a:p>
+          <a:p>
+            <a:r>
+              <a:rPr lang="ro-RO" dirty="0"/>
               <a:t>Aplicație mobilă de comunicare care foloseste acelasi cod pentru toate sistemele de operare </a:t>
             </a:r>
           </a:p>
           <a:p>
             <a:r>
-              <a:rPr lang="ro-RO" dirty="0" smtClean="0"/>
-              <a:t>Conversațiile sunt grupate pe subiecte de discuție</a:t>
-            </a:r>
-          </a:p>
-          <a:p>
-            <a:r>
-              <a:rPr lang="ro-RO" dirty="0" smtClean="0"/>
+              <a:rPr lang="ro-RO" dirty="0"/>
               <a:t>Folosește un protocol de comunicare foarte rapid si eficient</a:t>
             </a:r>
           </a:p>
@@ -3555,11 +3560,11 @@
           <a:lstStyle/>
           <a:p>
             <a:r>
-              <a:rPr lang="de-DE" dirty="0" err="1" smtClean="0"/>
+              <a:rPr lang="de-DE" dirty="0" err="1"/>
               <a:t>Specifica</a:t>
             </a:r>
             <a:r>
-              <a:rPr lang="ro-RO" dirty="0" smtClean="0"/>
+              <a:rPr lang="ro-RO" dirty="0"/>
               <a:t>ții</a:t>
             </a:r>
             <a:endParaRPr lang="en-US" dirty="0"/>
@@ -3582,25 +3587,25 @@
           <a:lstStyle/>
           <a:p>
             <a:r>
-              <a:rPr lang="ro-RO" dirty="0" smtClean="0"/>
+              <a:rPr lang="ro-RO" dirty="0"/>
               <a:t>Aplicația va folosi numărul de telefon ca și indentificator pentru clienți</a:t>
             </a:r>
           </a:p>
           <a:p>
             <a:r>
-              <a:rPr lang="ro-RO" dirty="0" smtClean="0"/>
+              <a:rPr lang="ro-RO" dirty="0"/>
               <a:t>Initial nu va folosi un Backend</a:t>
             </a:r>
           </a:p>
           <a:p>
             <a:r>
-              <a:rPr lang="ro-RO" dirty="0" smtClean="0"/>
+              <a:rPr lang="ro-RO" dirty="0"/>
               <a:t>Conversațiile vor fi salvate local pe dispozitivul clientului</a:t>
             </a:r>
           </a:p>
           <a:p>
             <a:r>
-              <a:rPr lang="ro-RO" dirty="0" smtClean="0"/>
+              <a:rPr lang="ro-RO" dirty="0"/>
               <a:t>Comunicare server client se va face criptat SSL/TLS</a:t>
             </a:r>
             <a:endParaRPr lang="en-US" dirty="0"/>
@@ -3658,34 +3663,26 @@
           <a:lstStyle/>
           <a:p>
             <a:r>
-              <a:rPr lang="ro-RO" dirty="0" smtClean="0"/>
+              <a:rPr lang="ro-RO" dirty="0"/>
               <a:t>Framework dezvoltat de inginerii care au creat Mono</a:t>
             </a:r>
           </a:p>
           <a:p>
             <a:r>
-              <a:rPr lang="ro-RO" dirty="0" smtClean="0"/>
+              <a:rPr lang="ro-RO" dirty="0"/>
               <a:t>In 2016 a fost achiziționat de Microsoft și acum vine la pachet cu Visual Studio și Visual Studio for Mac</a:t>
             </a:r>
           </a:p>
           <a:p>
             <a:r>
-              <a:rPr lang="ro-RO" dirty="0" smtClean="0"/>
+              <a:rPr lang="ro-RO" dirty="0"/>
               <a:t>Permite dezvoltatorilor să implementeze aplicații crossplatform folosind aceași cod C#</a:t>
             </a:r>
           </a:p>
           <a:p>
             <a:r>
-              <a:rPr lang="ro-RO" dirty="0" smtClean="0"/>
-              <a:t>Folosing librăria Xamarin.Forms programatorii au </a:t>
-            </a:r>
-            <a:r>
               <a:rPr lang="ro-RO" dirty="0"/>
-              <a:t>posibilitatea </a:t>
-            </a:r>
-            <a:r>
-              <a:rPr lang="ro-RO" dirty="0" smtClean="0"/>
-              <a:t>de a crea interfete cross platform</a:t>
+              <a:t>Folosing librăria Xamarin.Forms programatorii au posibilitatea de a crea interfete cross platform</a:t>
             </a:r>
             <a:endParaRPr lang="en-US" dirty="0"/>
           </a:p>
@@ -3772,32 +3769,27 @@
           <a:lstStyle/>
           <a:p>
             <a:r>
-              <a:rPr lang="ro-RO" dirty="0" smtClean="0"/>
+              <a:rPr lang="ro-RO" dirty="0"/>
               <a:t>A fost creat în 1999 pentru a fi folosit ca și protocol de comunicare pentru conectarea conductelor de petrol prin conexiunea satelit.</a:t>
             </a:r>
           </a:p>
           <a:p>
             <a:r>
-              <a:rPr lang="ro-RO" dirty="0" smtClean="0"/>
+              <a:rPr lang="ro-RO" dirty="0"/>
               <a:t>Este un protocol foarte eficient</a:t>
             </a:r>
           </a:p>
           <a:p>
             <a:r>
-              <a:rPr lang="ro-RO" dirty="0" smtClean="0"/>
+              <a:rPr lang="ro-RO" dirty="0"/>
               <a:t>Facebook Messenger, o aplicatie care are lunar 1,2 Miliarde de utilizatori foloseste acest protocol</a:t>
             </a:r>
           </a:p>
           <a:p>
             <a:r>
-              <a:rPr lang="ro-RO" dirty="0" smtClean="0"/>
-              <a:t>Folosește </a:t>
-            </a:r>
-            <a:r>
               <a:rPr lang="ro-RO" dirty="0"/>
-              <a:t>o structură de comunicare de tip publish/subscribe</a:t>
-            </a:r>
-            <a:endParaRPr lang="ro-RO" dirty="0" smtClean="0"/>
+              <a:t>Folosește o structură de comunicare de tip publish/subscribe</a:t>
+            </a:r>
           </a:p>
         </p:txBody>
       </p:sp>
@@ -3882,52 +3874,24 @@
           <a:lstStyle/>
           <a:p>
             <a:r>
-              <a:rPr lang="ro-RO" dirty="0" smtClean="0"/>
-              <a:t>Serverul numit și Broker este </a:t>
-            </a:r>
-            <a:r>
               <a:rPr lang="ro-RO" dirty="0"/>
-              <a:t>responsabil pentru primirea tuturor mesajelor, pentru filtrarea </a:t>
-            </a:r>
-            <a:r>
-              <a:rPr lang="ro-RO" dirty="0" smtClean="0"/>
-              <a:t>lor și </a:t>
-            </a:r>
+              <a:t>Serverul numit și Broker este responsabil pentru primirea tuturor mesajelor, pentru filtrarea lor și apoi trimiterea mesajului către toți clienții abonați. </a:t>
+            </a:r>
+          </a:p>
+          <a:p>
             <a:r>
               <a:rPr lang="ro-RO" dirty="0"/>
-              <a:t>apoi trimiterea mesajului către toți clienții </a:t>
-            </a:r>
-            <a:r>
-              <a:rPr lang="ro-RO" dirty="0" smtClean="0"/>
-              <a:t>abonați. </a:t>
+              <a:t>Un client MQTT este orice dispozitiv de la un microcontroler până la un server care se conectează la un broker MQTT.</a:t>
             </a:r>
           </a:p>
           <a:p>
             <a:r>
               <a:rPr lang="ro-RO" dirty="0"/>
-              <a:t>Un client MQTT este orice dispozitiv de la un microcontroler până la un </a:t>
-            </a:r>
-            <a:r>
-              <a:rPr lang="ro-RO" dirty="0" smtClean="0"/>
-              <a:t>server care se conectează </a:t>
-            </a:r>
-            <a:r>
-              <a:rPr lang="ro-RO" dirty="0"/>
-              <a:t>la un broker </a:t>
-            </a:r>
-            <a:r>
-              <a:rPr lang="ro-RO" dirty="0" smtClean="0"/>
-              <a:t>MQTT.</a:t>
-            </a:r>
-          </a:p>
-          <a:p>
-            <a:r>
-              <a:rPr lang="ro-RO" dirty="0" smtClean="0"/>
               <a:t>Clientii se vor inregistra la mesajele de care sunt interesati (Subscribe) si vor avea posibilitatea să trimite mesaje care alti clienti (Publish).</a:t>
             </a:r>
           </a:p>
           <a:p>
-            <a:endParaRPr lang="ro-RO" dirty="0" smtClean="0"/>
+            <a:endParaRPr lang="ro-RO" dirty="0"/>
           </a:p>
           <a:p>
             <a:endParaRPr lang="en-US" dirty="0"/>
@@ -4015,7 +3979,7 @@
           <a:lstStyle/>
           <a:p>
             <a:r>
-              <a:rPr lang="ro-RO" dirty="0" smtClean="0"/>
+              <a:rPr lang="ro-RO" dirty="0"/>
               <a:t>Comunicarea între clienți</a:t>
             </a:r>
             <a:endParaRPr lang="en-US" dirty="0"/>
@@ -4038,24 +4002,20 @@
           <a:lstStyle/>
           <a:p>
             <a:r>
-              <a:rPr lang="ro-RO" dirty="0" smtClean="0"/>
+              <a:rPr lang="ro-RO" dirty="0"/>
               <a:t>Fiecare client va face subscribe la toate mesajele trimise numarului lui de telefon (message/NrTelefon/#)</a:t>
             </a:r>
           </a:p>
           <a:p>
             <a:r>
-              <a:rPr lang="ro-RO" dirty="0" smtClean="0"/>
+              <a:rPr lang="ro-RO" dirty="0"/>
               <a:t>Fiecare client va folosi aceeași structura cand va trimite un mesaj:</a:t>
             </a:r>
           </a:p>
           <a:p>
             <a:r>
-              <a:rPr lang="ro-RO" b="1" dirty="0" smtClean="0"/>
-              <a:t>Message </a:t>
-            </a:r>
-            <a:r>
               <a:rPr lang="ro-RO" b="1" dirty="0"/>
-              <a:t>/ [ReceiverId] / [TopicId] /  [TopicName] / [MembersIDs] / [SenderID]</a:t>
+              <a:t>Message / [ReceiverId] / [TopicId] /  [TopicName] / [MembersIDs] / [SenderID]</a:t>
             </a:r>
             <a:endParaRPr lang="en-US" dirty="0"/>
           </a:p>
@@ -4155,24 +4115,24 @@
           <a:lstStyle/>
           <a:p>
             <a:r>
-              <a:rPr lang="ro-RO" dirty="0" smtClean="0"/>
+              <a:rPr lang="ro-RO" dirty="0"/>
               <a:t>Interfata contine 4 pagini. Pagina conversațiilor, pagina subiectelor de discuție, pagina contactelor si pagina comunicare.</a:t>
             </a:r>
           </a:p>
           <a:p>
             <a:r>
-              <a:rPr lang="ro-RO" dirty="0" smtClean="0"/>
+              <a:rPr lang="ro-RO" dirty="0"/>
               <a:t>Fiecare conversație este grupata pe subiecte de discuție</a:t>
             </a:r>
             <a:r>
-              <a:rPr lang="ro-RO" smtClean="0"/>
+              <a:rPr lang="ro-RO"/>
               <a:t>. </a:t>
             </a:r>
-            <a:endParaRPr lang="ro-RO" dirty="0" smtClean="0"/>
-          </a:p>
-          <a:p>
-            <a:r>
-              <a:rPr lang="ro-RO" dirty="0" smtClean="0"/>
+            <a:endParaRPr lang="ro-RO" dirty="0"/>
+          </a:p>
+          <a:p>
+            <a:r>
+              <a:rPr lang="ro-RO" dirty="0"/>
               <a:t>Sunt folosite numai controale native </a:t>
             </a:r>
           </a:p>
